--- a/pssif/doc/weeklies/weekly_2014-03-05.pptx
+++ b/pssif/doc/weeklies/weekly_2014-03-05.pptx
@@ -4681,15 +4681,25 @@
           <a:p>
             <a:r>
               <a:rPr lang="de-DE" dirty="0" smtClean="0"/>
-              <a:t>Canonic PSS-IF -&gt; UFP?</a:t>
-            </a:r>
+              <a:t>Canonic PSS-IF -&gt; UFP</a:t>
+            </a:r>
+            <a:r>
+              <a:rPr lang="de-DE" dirty="0" smtClean="0"/>
+              <a:t>?</a:t>
+            </a:r>
+          </a:p>
+          <a:p>
+            <a:r>
+              <a:rPr lang="de-DE" dirty="0" smtClean="0"/>
+              <a:t>BPMN: HyperHyperEdges in Canonic PSS-IF</a:t>
+            </a:r>
+            <a:endParaRPr lang="de-DE" dirty="0" smtClean="0"/>
           </a:p>
           <a:p>
             <a:r>
               <a:rPr lang="de-DE" dirty="0" smtClean="0"/>
               <a:t>Dokumentation?</a:t>
             </a:r>
-            <a:endParaRPr lang="de-DE" dirty="0" smtClean="0"/>
           </a:p>
           <a:p>
             <a:endParaRPr lang="de-DE" dirty="0" smtClean="0"/>
